--- a/images/Images.pptx
+++ b/images/Images.pptx
@@ -243,7 +243,7 @@
           <a:p>
             <a:fld id="{D252FEE0-2336-4212-A604-E3F895917DD2}" type="datetimeFigureOut">
               <a:rPr lang="de-DE" smtClean="0"/>
-              <a:t>18.05.2021</a:t>
+              <a:t>21.02.2022</a:t>
             </a:fld>
             <a:endParaRPr lang="de-DE"/>
           </a:p>
@@ -413,7 +413,7 @@
           <a:p>
             <a:fld id="{D252FEE0-2336-4212-A604-E3F895917DD2}" type="datetimeFigureOut">
               <a:rPr lang="de-DE" smtClean="0"/>
-              <a:t>18.05.2021</a:t>
+              <a:t>21.02.2022</a:t>
             </a:fld>
             <a:endParaRPr lang="de-DE"/>
           </a:p>
@@ -593,7 +593,7 @@
           <a:p>
             <a:fld id="{D252FEE0-2336-4212-A604-E3F895917DD2}" type="datetimeFigureOut">
               <a:rPr lang="de-DE" smtClean="0"/>
-              <a:t>18.05.2021</a:t>
+              <a:t>21.02.2022</a:t>
             </a:fld>
             <a:endParaRPr lang="de-DE"/>
           </a:p>
@@ -763,7 +763,7 @@
           <a:p>
             <a:fld id="{D252FEE0-2336-4212-A604-E3F895917DD2}" type="datetimeFigureOut">
               <a:rPr lang="de-DE" smtClean="0"/>
-              <a:t>18.05.2021</a:t>
+              <a:t>21.02.2022</a:t>
             </a:fld>
             <a:endParaRPr lang="de-DE"/>
           </a:p>
@@ -1009,7 +1009,7 @@
           <a:p>
             <a:fld id="{D252FEE0-2336-4212-A604-E3F895917DD2}" type="datetimeFigureOut">
               <a:rPr lang="de-DE" smtClean="0"/>
-              <a:t>18.05.2021</a:t>
+              <a:t>21.02.2022</a:t>
             </a:fld>
             <a:endParaRPr lang="de-DE"/>
           </a:p>
@@ -1241,7 +1241,7 @@
           <a:p>
             <a:fld id="{D252FEE0-2336-4212-A604-E3F895917DD2}" type="datetimeFigureOut">
               <a:rPr lang="de-DE" smtClean="0"/>
-              <a:t>18.05.2021</a:t>
+              <a:t>21.02.2022</a:t>
             </a:fld>
             <a:endParaRPr lang="de-DE"/>
           </a:p>
@@ -1608,7 +1608,7 @@
           <a:p>
             <a:fld id="{D252FEE0-2336-4212-A604-E3F895917DD2}" type="datetimeFigureOut">
               <a:rPr lang="de-DE" smtClean="0"/>
-              <a:t>18.05.2021</a:t>
+              <a:t>21.02.2022</a:t>
             </a:fld>
             <a:endParaRPr lang="de-DE"/>
           </a:p>
@@ -1726,7 +1726,7 @@
           <a:p>
             <a:fld id="{D252FEE0-2336-4212-A604-E3F895917DD2}" type="datetimeFigureOut">
               <a:rPr lang="de-DE" smtClean="0"/>
-              <a:t>18.05.2021</a:t>
+              <a:t>21.02.2022</a:t>
             </a:fld>
             <a:endParaRPr lang="de-DE"/>
           </a:p>
@@ -1821,7 +1821,7 @@
           <a:p>
             <a:fld id="{D252FEE0-2336-4212-A604-E3F895917DD2}" type="datetimeFigureOut">
               <a:rPr lang="de-DE" smtClean="0"/>
-              <a:t>18.05.2021</a:t>
+              <a:t>21.02.2022</a:t>
             </a:fld>
             <a:endParaRPr lang="de-DE"/>
           </a:p>
@@ -2098,7 +2098,7 @@
           <a:p>
             <a:fld id="{D252FEE0-2336-4212-A604-E3F895917DD2}" type="datetimeFigureOut">
               <a:rPr lang="de-DE" smtClean="0"/>
-              <a:t>18.05.2021</a:t>
+              <a:t>21.02.2022</a:t>
             </a:fld>
             <a:endParaRPr lang="de-DE"/>
           </a:p>
@@ -2351,7 +2351,7 @@
           <a:p>
             <a:fld id="{D252FEE0-2336-4212-A604-E3F895917DD2}" type="datetimeFigureOut">
               <a:rPr lang="de-DE" smtClean="0"/>
-              <a:t>18.05.2021</a:t>
+              <a:t>21.02.2022</a:t>
             </a:fld>
             <a:endParaRPr lang="de-DE"/>
           </a:p>
@@ -2564,7 +2564,7 @@
           <a:p>
             <a:fld id="{D252FEE0-2336-4212-A604-E3F895917DD2}" type="datetimeFigureOut">
               <a:rPr lang="de-DE" smtClean="0"/>
-              <a:t>18.05.2021</a:t>
+              <a:t>21.02.2022</a:t>
             </a:fld>
             <a:endParaRPr lang="de-DE"/>
           </a:p>
@@ -3325,6 +3325,365 @@
           </a:p>
         </p:txBody>
       </p:sp>
+      <p:sp>
+        <p:nvSpPr>
+          <p:cNvPr id="16" name="Flussdiagramm: Magnetplattenspeicher 15">
+            <a:extLst>
+              <a:ext uri="{FF2B5EF4-FFF2-40B4-BE49-F238E27FC236}">
+                <a16:creationId xmlns:a16="http://schemas.microsoft.com/office/drawing/2014/main" id="{DFFC52DF-7977-4877-9A93-E9D8691A362A}"/>
+              </a:ext>
+            </a:extLst>
+          </p:cNvPr>
+          <p:cNvSpPr/>
+          <p:nvPr/>
+        </p:nvSpPr>
+        <p:spPr>
+          <a:xfrm rot="16200000">
+            <a:off x="5939013" y="1436981"/>
+            <a:ext cx="648000" cy="868788"/>
+          </a:xfrm>
+          <a:prstGeom prst="flowChartMagneticDisk">
+            <a:avLst/>
+          </a:prstGeom>
+          <a:solidFill>
+            <a:srgbClr val="FFC000"/>
+          </a:solidFill>
+          <a:ln w="34925">
+            <a:solidFill>
+              <a:schemeClr val="tx1"/>
+            </a:solidFill>
+          </a:ln>
+        </p:spPr>
+        <p:style>
+          <a:lnRef idx="2">
+            <a:schemeClr val="accent1">
+              <a:shade val="50000"/>
+            </a:schemeClr>
+          </a:lnRef>
+          <a:fillRef idx="1">
+            <a:schemeClr val="accent1"/>
+          </a:fillRef>
+          <a:effectRef idx="0">
+            <a:schemeClr val="accent1"/>
+          </a:effectRef>
+          <a:fontRef idx="minor">
+            <a:schemeClr val="lt1"/>
+          </a:fontRef>
+        </p:style>
+        <p:txBody>
+          <a:bodyPr rtlCol="0" anchor="ctr"/>
+          <a:lstStyle/>
+          <a:p>
+            <a:pPr algn="ctr"/>
+            <a:endParaRPr lang="en-US"/>
+          </a:p>
+        </p:txBody>
+      </p:sp>
+      <p:grpSp>
+        <p:nvGrpSpPr>
+          <p:cNvPr id="3" name="Gruppieren 2"/>
+          <p:cNvGrpSpPr/>
+          <p:nvPr/>
+        </p:nvGrpSpPr>
+        <p:grpSpPr>
+          <a:xfrm>
+            <a:off x="7236069" y="1579104"/>
+            <a:ext cx="842866" cy="584542"/>
+            <a:chOff x="7121770" y="1560925"/>
+            <a:chExt cx="895619" cy="641402"/>
+          </a:xfrm>
+        </p:grpSpPr>
+        <p:sp>
+          <p:nvSpPr>
+            <p:cNvPr id="2" name="Rechteck 1"/>
+            <p:cNvSpPr/>
+            <p:nvPr/>
+          </p:nvSpPr>
+          <p:spPr>
+            <a:xfrm>
+              <a:off x="7121770" y="1560926"/>
+              <a:ext cx="149469" cy="634449"/>
+            </a:xfrm>
+            <a:prstGeom prst="rect">
+              <a:avLst/>
+            </a:prstGeom>
+            <a:solidFill>
+              <a:srgbClr val="FFC000"/>
+            </a:solidFill>
+            <a:ln w="34925">
+              <a:solidFill>
+                <a:schemeClr val="tx1"/>
+              </a:solidFill>
+            </a:ln>
+          </p:spPr>
+          <p:style>
+            <a:lnRef idx="2">
+              <a:schemeClr val="accent1">
+                <a:shade val="50000"/>
+              </a:schemeClr>
+            </a:lnRef>
+            <a:fillRef idx="1">
+              <a:schemeClr val="accent1"/>
+            </a:fillRef>
+            <a:effectRef idx="0">
+              <a:schemeClr val="accent1"/>
+            </a:effectRef>
+            <a:fontRef idx="minor">
+              <a:schemeClr val="lt1"/>
+            </a:fontRef>
+          </p:style>
+          <p:txBody>
+            <a:bodyPr rtlCol="0" anchor="ctr"/>
+            <a:lstStyle/>
+            <a:p>
+              <a:pPr algn="ctr"/>
+              <a:endParaRPr lang="en-US"/>
+            </a:p>
+          </p:txBody>
+        </p:sp>
+        <p:sp>
+          <p:nvSpPr>
+            <p:cNvPr id="17" name="Rechteck 16"/>
+            <p:cNvSpPr/>
+            <p:nvPr/>
+          </p:nvSpPr>
+          <p:spPr>
+            <a:xfrm>
+              <a:off x="7368823" y="1562584"/>
+              <a:ext cx="149469" cy="634449"/>
+            </a:xfrm>
+            <a:prstGeom prst="rect">
+              <a:avLst/>
+            </a:prstGeom>
+            <a:solidFill>
+              <a:srgbClr val="FFC000"/>
+            </a:solidFill>
+            <a:ln w="34925">
+              <a:solidFill>
+                <a:schemeClr val="tx1"/>
+              </a:solidFill>
+            </a:ln>
+          </p:spPr>
+          <p:style>
+            <a:lnRef idx="2">
+              <a:schemeClr val="accent1">
+                <a:shade val="50000"/>
+              </a:schemeClr>
+            </a:lnRef>
+            <a:fillRef idx="1">
+              <a:schemeClr val="accent1"/>
+            </a:fillRef>
+            <a:effectRef idx="0">
+              <a:schemeClr val="accent1"/>
+            </a:effectRef>
+            <a:fontRef idx="minor">
+              <a:schemeClr val="lt1"/>
+            </a:fontRef>
+          </p:style>
+          <p:txBody>
+            <a:bodyPr rtlCol="0" anchor="ctr"/>
+            <a:lstStyle/>
+            <a:p>
+              <a:pPr algn="ctr"/>
+              <a:endParaRPr lang="en-US"/>
+            </a:p>
+          </p:txBody>
+        </p:sp>
+        <p:sp>
+          <p:nvSpPr>
+            <p:cNvPr id="18" name="Rechteck 17"/>
+            <p:cNvSpPr/>
+            <p:nvPr/>
+          </p:nvSpPr>
+          <p:spPr>
+            <a:xfrm>
+              <a:off x="7615876" y="1560925"/>
+              <a:ext cx="149469" cy="634449"/>
+            </a:xfrm>
+            <a:prstGeom prst="rect">
+              <a:avLst/>
+            </a:prstGeom>
+            <a:solidFill>
+              <a:srgbClr val="FFC000"/>
+            </a:solidFill>
+            <a:ln w="34925">
+              <a:solidFill>
+                <a:schemeClr val="tx1"/>
+              </a:solidFill>
+            </a:ln>
+          </p:spPr>
+          <p:style>
+            <a:lnRef idx="2">
+              <a:schemeClr val="accent1">
+                <a:shade val="50000"/>
+              </a:schemeClr>
+            </a:lnRef>
+            <a:fillRef idx="1">
+              <a:schemeClr val="accent1"/>
+            </a:fillRef>
+            <a:effectRef idx="0">
+              <a:schemeClr val="accent1"/>
+            </a:effectRef>
+            <a:fontRef idx="minor">
+              <a:schemeClr val="lt1"/>
+            </a:fontRef>
+          </p:style>
+          <p:txBody>
+            <a:bodyPr rtlCol="0" anchor="ctr"/>
+            <a:lstStyle/>
+            <a:p>
+              <a:pPr algn="ctr"/>
+              <a:endParaRPr lang="en-US"/>
+            </a:p>
+          </p:txBody>
+        </p:sp>
+        <p:sp>
+          <p:nvSpPr>
+            <p:cNvPr id="19" name="Rechteck 18"/>
+            <p:cNvSpPr/>
+            <p:nvPr/>
+          </p:nvSpPr>
+          <p:spPr>
+            <a:xfrm>
+              <a:off x="7867920" y="1567878"/>
+              <a:ext cx="149469" cy="634449"/>
+            </a:xfrm>
+            <a:prstGeom prst="rect">
+              <a:avLst/>
+            </a:prstGeom>
+            <a:solidFill>
+              <a:srgbClr val="FFC000"/>
+            </a:solidFill>
+            <a:ln w="34925">
+              <a:solidFill>
+                <a:schemeClr val="tx1"/>
+              </a:solidFill>
+            </a:ln>
+          </p:spPr>
+          <p:style>
+            <a:lnRef idx="2">
+              <a:schemeClr val="accent1">
+                <a:shade val="50000"/>
+              </a:schemeClr>
+            </a:lnRef>
+            <a:fillRef idx="1">
+              <a:schemeClr val="accent1"/>
+            </a:fillRef>
+            <a:effectRef idx="0">
+              <a:schemeClr val="accent1"/>
+            </a:effectRef>
+            <a:fontRef idx="minor">
+              <a:schemeClr val="lt1"/>
+            </a:fontRef>
+          </p:style>
+          <p:txBody>
+            <a:bodyPr rtlCol="0" anchor="ctr"/>
+            <a:lstStyle/>
+            <a:p>
+              <a:pPr algn="ctr"/>
+              <a:endParaRPr lang="en-US"/>
+            </a:p>
+          </p:txBody>
+        </p:sp>
+      </p:grpSp>
+      <p:grpSp>
+        <p:nvGrpSpPr>
+          <p:cNvPr id="20" name="Gruppieren 19"/>
+          <p:cNvGrpSpPr/>
+          <p:nvPr/>
+        </p:nvGrpSpPr>
+        <p:grpSpPr>
+          <a:xfrm>
+            <a:off x="8769616" y="1303834"/>
+            <a:ext cx="833499" cy="1015663"/>
+            <a:chOff x="626857" y="1918378"/>
+            <a:chExt cx="833499" cy="1015663"/>
+          </a:xfrm>
+        </p:grpSpPr>
+        <p:sp>
+          <p:nvSpPr>
+            <p:cNvPr id="21" name="Ellipse 20"/>
+            <p:cNvSpPr/>
+            <p:nvPr/>
+          </p:nvSpPr>
+          <p:spPr>
+            <a:xfrm>
+              <a:off x="626857" y="2110028"/>
+              <a:ext cx="833499" cy="812810"/>
+            </a:xfrm>
+            <a:prstGeom prst="ellipse">
+              <a:avLst/>
+            </a:prstGeom>
+            <a:solidFill>
+              <a:srgbClr val="FFC000"/>
+            </a:solidFill>
+            <a:ln w="38100">
+              <a:solidFill>
+                <a:schemeClr val="tx1"/>
+              </a:solidFill>
+            </a:ln>
+          </p:spPr>
+          <p:style>
+            <a:lnRef idx="2">
+              <a:schemeClr val="accent1">
+                <a:shade val="50000"/>
+              </a:schemeClr>
+            </a:lnRef>
+            <a:fillRef idx="1">
+              <a:schemeClr val="accent1"/>
+            </a:fillRef>
+            <a:effectRef idx="0">
+              <a:schemeClr val="accent1"/>
+            </a:effectRef>
+            <a:fontRef idx="minor">
+              <a:schemeClr val="lt1"/>
+            </a:fontRef>
+          </p:style>
+          <p:txBody>
+            <a:bodyPr rtlCol="0" anchor="ctr"/>
+            <a:lstStyle/>
+            <a:p>
+              <a:pPr algn="ctr"/>
+              <a:endParaRPr lang="de-DE"/>
+            </a:p>
+          </p:txBody>
+        </p:sp>
+        <p:sp>
+          <p:nvSpPr>
+            <p:cNvPr id="22" name="Textfeld 21"/>
+            <p:cNvSpPr txBox="1"/>
+            <p:nvPr/>
+          </p:nvSpPr>
+          <p:spPr>
+            <a:xfrm>
+              <a:off x="702643" y="1918378"/>
+              <a:ext cx="648091" cy="1015663"/>
+            </a:xfrm>
+            <a:prstGeom prst="rect">
+              <a:avLst/>
+            </a:prstGeom>
+            <a:noFill/>
+          </p:spPr>
+          <p:txBody>
+            <a:bodyPr wrap="square" rtlCol="0">
+              <a:spAutoFit/>
+            </a:bodyPr>
+            <a:lstStyle/>
+            <a:p>
+              <a:pPr algn="ctr"/>
+              <a:r>
+                <a:rPr lang="el-GR" sz="1200" dirty="0" smtClean="0"/>
+                <a:t> </a:t>
+              </a:r>
+              <a:r>
+                <a:rPr lang="de-DE" sz="4800" b="1" dirty="0" smtClean="0"/>
+                <a:t>@</a:t>
+              </a:r>
+              <a:endParaRPr lang="de-DE" sz="2000" dirty="0"/>
+            </a:p>
+          </p:txBody>
+        </p:sp>
+      </p:grpSp>
     </p:spTree>
     <p:extLst>
       <p:ext uri="{BB962C8B-B14F-4D97-AF65-F5344CB8AC3E}">
